--- a/waterjug code/waterjug.pptx
+++ b/waterjug code/waterjug.pptx
@@ -16,7 +16,6 @@
     <p:sldId id="265" r:id="rId10"/>
     <p:sldId id="266" r:id="rId11"/>
     <p:sldId id="267" r:id="rId12"/>
-    <p:sldId id="268" r:id="rId13"/>
   </p:sldIdLst>
   <p:sldSz cx="12192000" cy="6858000"/>
   <p:notesSz cx="6858000" cy="9144000"/>
@@ -115,6 +114,11 @@
       </a:defRPr>
     </a:lvl9pPr>
   </p:defaultTextStyle>
+  <p:extLst>
+    <p:ext uri="{EFAFB233-063F-42B5-8137-9DF3F51BA10A}">
+      <p15:sldGuideLst xmlns:p15="http://schemas.microsoft.com/office/powerpoint/2012/main"/>
+    </p:ext>
+  </p:extLst>
 </p:presentation>
 </file>
 
@@ -267,7 +271,7 @@
           <a:p>
             <a:fld id="{6DDED9F6-BEC6-4E98-AB2B-4C3195F3079B}" type="datetimeFigureOut">
               <a:rPr lang="en-IN" smtClean="0"/>
-              <a:t>07-09-2024</a:t>
+              <a:t>08-09-2024</a:t>
             </a:fld>
             <a:endParaRPr lang="en-IN"/>
           </a:p>
@@ -467,7 +471,7 @@
           <a:p>
             <a:fld id="{6DDED9F6-BEC6-4E98-AB2B-4C3195F3079B}" type="datetimeFigureOut">
               <a:rPr lang="en-IN" smtClean="0"/>
-              <a:t>07-09-2024</a:t>
+              <a:t>08-09-2024</a:t>
             </a:fld>
             <a:endParaRPr lang="en-IN"/>
           </a:p>
@@ -677,7 +681,7 @@
           <a:p>
             <a:fld id="{6DDED9F6-BEC6-4E98-AB2B-4C3195F3079B}" type="datetimeFigureOut">
               <a:rPr lang="en-IN" smtClean="0"/>
-              <a:t>07-09-2024</a:t>
+              <a:t>08-09-2024</a:t>
             </a:fld>
             <a:endParaRPr lang="en-IN"/>
           </a:p>
@@ -877,7 +881,7 @@
           <a:p>
             <a:fld id="{6DDED9F6-BEC6-4E98-AB2B-4C3195F3079B}" type="datetimeFigureOut">
               <a:rPr lang="en-IN" smtClean="0"/>
-              <a:t>07-09-2024</a:t>
+              <a:t>08-09-2024</a:t>
             </a:fld>
             <a:endParaRPr lang="en-IN"/>
           </a:p>
@@ -1153,7 +1157,7 @@
           <a:p>
             <a:fld id="{6DDED9F6-BEC6-4E98-AB2B-4C3195F3079B}" type="datetimeFigureOut">
               <a:rPr lang="en-IN" smtClean="0"/>
-              <a:t>07-09-2024</a:t>
+              <a:t>08-09-2024</a:t>
             </a:fld>
             <a:endParaRPr lang="en-IN"/>
           </a:p>
@@ -1421,7 +1425,7 @@
           <a:p>
             <a:fld id="{6DDED9F6-BEC6-4E98-AB2B-4C3195F3079B}" type="datetimeFigureOut">
               <a:rPr lang="en-IN" smtClean="0"/>
-              <a:t>07-09-2024</a:t>
+              <a:t>08-09-2024</a:t>
             </a:fld>
             <a:endParaRPr lang="en-IN"/>
           </a:p>
@@ -1836,7 +1840,7 @@
           <a:p>
             <a:fld id="{6DDED9F6-BEC6-4E98-AB2B-4C3195F3079B}" type="datetimeFigureOut">
               <a:rPr lang="en-IN" smtClean="0"/>
-              <a:t>07-09-2024</a:t>
+              <a:t>08-09-2024</a:t>
             </a:fld>
             <a:endParaRPr lang="en-IN"/>
           </a:p>
@@ -1978,7 +1982,7 @@
           <a:p>
             <a:fld id="{6DDED9F6-BEC6-4E98-AB2B-4C3195F3079B}" type="datetimeFigureOut">
               <a:rPr lang="en-IN" smtClean="0"/>
-              <a:t>07-09-2024</a:t>
+              <a:t>08-09-2024</a:t>
             </a:fld>
             <a:endParaRPr lang="en-IN"/>
           </a:p>
@@ -2091,7 +2095,7 @@
           <a:p>
             <a:fld id="{6DDED9F6-BEC6-4E98-AB2B-4C3195F3079B}" type="datetimeFigureOut">
               <a:rPr lang="en-IN" smtClean="0"/>
-              <a:t>07-09-2024</a:t>
+              <a:t>08-09-2024</a:t>
             </a:fld>
             <a:endParaRPr lang="en-IN"/>
           </a:p>
@@ -2404,7 +2408,7 @@
           <a:p>
             <a:fld id="{6DDED9F6-BEC6-4E98-AB2B-4C3195F3079B}" type="datetimeFigureOut">
               <a:rPr lang="en-IN" smtClean="0"/>
-              <a:t>07-09-2024</a:t>
+              <a:t>08-09-2024</a:t>
             </a:fld>
             <a:endParaRPr lang="en-IN"/>
           </a:p>
@@ -2693,7 +2697,7 @@
           <a:p>
             <a:fld id="{6DDED9F6-BEC6-4E98-AB2B-4C3195F3079B}" type="datetimeFigureOut">
               <a:rPr lang="en-IN" smtClean="0"/>
-              <a:t>07-09-2024</a:t>
+              <a:t>08-09-2024</a:t>
             </a:fld>
             <a:endParaRPr lang="en-IN"/>
           </a:p>
@@ -2936,7 +2940,7 @@
           <a:p>
             <a:fld id="{6DDED9F6-BEC6-4E98-AB2B-4C3195F3079B}" type="datetimeFigureOut">
               <a:rPr lang="en-IN" smtClean="0"/>
-              <a:t>07-09-2024</a:t>
+              <a:t>08-09-2024</a:t>
             </a:fld>
             <a:endParaRPr lang="en-IN"/>
           </a:p>
@@ -3481,6 +3485,168 @@
           </a:prstGeom>
         </p:spPr>
       </p:pic>
+      <p:sp>
+        <p:nvSpPr>
+          <p:cNvPr id="2" name="TextBox 1">
+            <a:extLst>
+              <a:ext uri="{FF2B5EF4-FFF2-40B4-BE49-F238E27FC236}">
+                <a16:creationId xmlns:a16="http://schemas.microsoft.com/office/drawing/2014/main" id="{CC1DB567-9479-0523-C1B0-B7EDF63F1C92}"/>
+              </a:ext>
+            </a:extLst>
+          </p:cNvPr>
+          <p:cNvSpPr txBox="1"/>
+          <p:nvPr/>
+        </p:nvSpPr>
+        <p:spPr>
+          <a:xfrm>
+            <a:off x="6892413" y="580103"/>
+            <a:ext cx="4198072" cy="3970318"/>
+          </a:xfrm>
+          <a:prstGeom prst="rect">
+            <a:avLst/>
+          </a:prstGeom>
+          <a:noFill/>
+        </p:spPr>
+        <p:txBody>
+          <a:bodyPr wrap="none" rtlCol="0">
+            <a:spAutoFit/>
+          </a:bodyPr>
+          <a:lstStyle/>
+          <a:p>
+            <a:r>
+              <a:rPr lang="en-US" dirty="0"/>
+              <a:t>(0,0)</a:t>
+            </a:r>
+          </a:p>
+          <a:p>
+            <a:r>
+              <a:rPr lang="en-US" dirty="0"/>
+              <a:t>(0,3)</a:t>
+            </a:r>
+          </a:p>
+          <a:p>
+            <a:r>
+              <a:rPr lang="en-US" dirty="0"/>
+              <a:t>(3,0)</a:t>
+            </a:r>
+          </a:p>
+          <a:p>
+            <a:r>
+              <a:rPr lang="en-US" dirty="0"/>
+              <a:t>	pour all from B to A</a:t>
+            </a:r>
+          </a:p>
+          <a:p>
+            <a:r>
+              <a:rPr lang="en-US" dirty="0"/>
+              <a:t>	</a:t>
+            </a:r>
+            <a:r>
+              <a:rPr lang="en-US" dirty="0" err="1"/>
+              <a:t>pour_amount</a:t>
+            </a:r>
+            <a:r>
+              <a:rPr lang="en-US" dirty="0"/>
+              <a:t>=min(3,4-0)=3</a:t>
+            </a:r>
+          </a:p>
+          <a:p>
+            <a:r>
+              <a:rPr lang="en-US" dirty="0"/>
+              <a:t>	ai=</a:t>
+            </a:r>
+            <a:r>
+              <a:rPr lang="en-US" dirty="0" err="1"/>
+              <a:t>ai+pour_amount</a:t>
+            </a:r>
+            <a:r>
+              <a:rPr lang="en-US" dirty="0"/>
+              <a:t>(ai=0+3=3)</a:t>
+            </a:r>
+          </a:p>
+          <a:p>
+            <a:r>
+              <a:rPr lang="en-US" dirty="0"/>
+              <a:t>	bi=bi-</a:t>
+            </a:r>
+            <a:r>
+              <a:rPr lang="en-US" dirty="0" err="1"/>
+              <a:t>pour_amount</a:t>
+            </a:r>
+            <a:r>
+              <a:rPr lang="en-US" dirty="0"/>
+              <a:t>(bi=3-3=bi=0)</a:t>
+            </a:r>
+          </a:p>
+          <a:p>
+            <a:r>
+              <a:rPr lang="en-US" dirty="0"/>
+              <a:t>(3,3)</a:t>
+            </a:r>
+          </a:p>
+          <a:p>
+            <a:r>
+              <a:rPr lang="en-US" dirty="0"/>
+              <a:t>(4,2)</a:t>
+            </a:r>
+          </a:p>
+          <a:p>
+            <a:r>
+              <a:rPr lang="en-US" dirty="0"/>
+              <a:t>	pour from B to A</a:t>
+            </a:r>
+          </a:p>
+          <a:p>
+            <a:r>
+              <a:rPr lang="en-US" dirty="0"/>
+              <a:t>	</a:t>
+            </a:r>
+            <a:r>
+              <a:rPr lang="en-US" dirty="0" err="1"/>
+              <a:t>pour_amount</a:t>
+            </a:r>
+            <a:r>
+              <a:rPr lang="en-US" dirty="0"/>
+              <a:t>=min(3,4-3)=1</a:t>
+            </a:r>
+          </a:p>
+          <a:p>
+            <a:r>
+              <a:rPr lang="en-US" dirty="0"/>
+              <a:t>	bi=bi-</a:t>
+            </a:r>
+            <a:r>
+              <a:rPr lang="en-US" dirty="0" err="1"/>
+              <a:t>pour_amount</a:t>
+            </a:r>
+            <a:r>
+              <a:rPr lang="en-US" dirty="0"/>
+              <a:t>=3-1=2</a:t>
+            </a:r>
+          </a:p>
+          <a:p>
+            <a:r>
+              <a:rPr lang="en-US" dirty="0"/>
+              <a:t>	ai=</a:t>
+            </a:r>
+            <a:r>
+              <a:rPr lang="en-US" dirty="0" err="1"/>
+              <a:t>ai+pour_amount</a:t>
+            </a:r>
+            <a:r>
+              <a:rPr lang="en-US" dirty="0"/>
+              <a:t>=3+1=4</a:t>
+            </a:r>
+          </a:p>
+          <a:p>
+            <a:r>
+              <a:rPr lang="en-US" dirty="0"/>
+              <a:t>(0,2)</a:t>
+            </a:r>
+            <a:endParaRPr lang="en-IN" dirty="0"/>
+          </a:p>
+        </p:txBody>
+      </p:sp>
     </p:spTree>
     <p:extLst>
       <p:ext uri="{BB962C8B-B14F-4D97-AF65-F5344CB8AC3E}">
@@ -3541,40 +3707,60 @@
           </a:prstGeom>
         </p:spPr>
       </p:pic>
+      <p:sp>
+        <p:nvSpPr>
+          <p:cNvPr id="2" name="TextBox 1">
+            <a:extLst>
+              <a:ext uri="{FF2B5EF4-FFF2-40B4-BE49-F238E27FC236}">
+                <a16:creationId xmlns:a16="http://schemas.microsoft.com/office/drawing/2014/main" id="{E5D0757A-CA6B-9945-059F-D8D493AB5BA3}"/>
+              </a:ext>
+            </a:extLst>
+          </p:cNvPr>
+          <p:cNvSpPr txBox="1"/>
+          <p:nvPr/>
+        </p:nvSpPr>
+        <p:spPr>
+          <a:xfrm>
+            <a:off x="520856" y="3453581"/>
+            <a:ext cx="9773518" cy="1200329"/>
+          </a:xfrm>
+          <a:prstGeom prst="rect">
+            <a:avLst/>
+          </a:prstGeom>
+          <a:noFill/>
+        </p:spPr>
+        <p:txBody>
+          <a:bodyPr wrap="square" rtlCol="0">
+            <a:spAutoFit/>
+          </a:bodyPr>
+          <a:lstStyle/>
+          <a:p>
+            <a:r>
+              <a:rPr lang="en-US" b="1" dirty="0"/>
+              <a:t>The GCD ensures that the desired final water amounts are physically possible with the given jug capacities.</a:t>
+            </a:r>
+          </a:p>
+          <a:p>
+            <a:r>
+              <a:rPr lang="en-US" dirty="0">
+                <a:solidFill>
+                  <a:srgbClr val="FF0000"/>
+                </a:solidFill>
+              </a:rPr>
+              <a:t>If the final amounts are not multiples of the GCD, the problem has no solution, and we can avoid unnecessary calculations.</a:t>
+            </a:r>
+            <a:endParaRPr lang="en-IN" dirty="0">
+              <a:solidFill>
+                <a:srgbClr val="FF0000"/>
+              </a:solidFill>
+            </a:endParaRPr>
+          </a:p>
+        </p:txBody>
+      </p:sp>
     </p:spTree>
     <p:extLst>
       <p:ext uri="{BB962C8B-B14F-4D97-AF65-F5344CB8AC3E}">
         <p14:creationId xmlns:p14="http://schemas.microsoft.com/office/powerpoint/2010/main" val="3977516972"/>
-      </p:ext>
-    </p:extLst>
-  </p:cSld>
-  <p:clrMapOvr>
-    <a:masterClrMapping/>
-  </p:clrMapOvr>
-</p:sld>
-</file>
-
-<file path=ppt/slides/slide12.xml><?xml version="1.0" encoding="utf-8"?>
-<p:sld xmlns:a="http://schemas.openxmlformats.org/drawingml/2006/main" xmlns:r="http://schemas.openxmlformats.org/officeDocument/2006/relationships" xmlns:p="http://schemas.openxmlformats.org/presentationml/2006/main">
-  <p:cSld>
-    <p:spTree>
-      <p:nvGrpSpPr>
-        <p:cNvPr id="1" name=""/>
-        <p:cNvGrpSpPr/>
-        <p:nvPr/>
-      </p:nvGrpSpPr>
-      <p:grpSpPr>
-        <a:xfrm>
-          <a:off x="0" y="0"/>
-          <a:ext cx="0" cy="0"/>
-          <a:chOff x="0" y="0"/>
-          <a:chExt cx="0" cy="0"/>
-        </a:xfrm>
-      </p:grpSpPr>
-    </p:spTree>
-    <p:extLst>
-      <p:ext uri="{BB962C8B-B14F-4D97-AF65-F5344CB8AC3E}">
-        <p14:creationId xmlns:p14="http://schemas.microsoft.com/office/powerpoint/2010/main" val="750028385"/>
       </p:ext>
     </p:extLst>
   </p:cSld>

--- a/waterjug code/waterjug.pptx
+++ b/waterjug code/waterjug.pptx
@@ -271,7 +271,7 @@
           <a:p>
             <a:fld id="{6DDED9F6-BEC6-4E98-AB2B-4C3195F3079B}" type="datetimeFigureOut">
               <a:rPr lang="en-IN" smtClean="0"/>
-              <a:t>08-09-2024</a:t>
+              <a:t>10-09-2024</a:t>
             </a:fld>
             <a:endParaRPr lang="en-IN"/>
           </a:p>
@@ -471,7 +471,7 @@
           <a:p>
             <a:fld id="{6DDED9F6-BEC6-4E98-AB2B-4C3195F3079B}" type="datetimeFigureOut">
               <a:rPr lang="en-IN" smtClean="0"/>
-              <a:t>08-09-2024</a:t>
+              <a:t>10-09-2024</a:t>
             </a:fld>
             <a:endParaRPr lang="en-IN"/>
           </a:p>
@@ -681,7 +681,7 @@
           <a:p>
             <a:fld id="{6DDED9F6-BEC6-4E98-AB2B-4C3195F3079B}" type="datetimeFigureOut">
               <a:rPr lang="en-IN" smtClean="0"/>
-              <a:t>08-09-2024</a:t>
+              <a:t>10-09-2024</a:t>
             </a:fld>
             <a:endParaRPr lang="en-IN"/>
           </a:p>
@@ -881,7 +881,7 @@
           <a:p>
             <a:fld id="{6DDED9F6-BEC6-4E98-AB2B-4C3195F3079B}" type="datetimeFigureOut">
               <a:rPr lang="en-IN" smtClean="0"/>
-              <a:t>08-09-2024</a:t>
+              <a:t>10-09-2024</a:t>
             </a:fld>
             <a:endParaRPr lang="en-IN"/>
           </a:p>
@@ -1157,7 +1157,7 @@
           <a:p>
             <a:fld id="{6DDED9F6-BEC6-4E98-AB2B-4C3195F3079B}" type="datetimeFigureOut">
               <a:rPr lang="en-IN" smtClean="0"/>
-              <a:t>08-09-2024</a:t>
+              <a:t>10-09-2024</a:t>
             </a:fld>
             <a:endParaRPr lang="en-IN"/>
           </a:p>
@@ -1425,7 +1425,7 @@
           <a:p>
             <a:fld id="{6DDED9F6-BEC6-4E98-AB2B-4C3195F3079B}" type="datetimeFigureOut">
               <a:rPr lang="en-IN" smtClean="0"/>
-              <a:t>08-09-2024</a:t>
+              <a:t>10-09-2024</a:t>
             </a:fld>
             <a:endParaRPr lang="en-IN"/>
           </a:p>
@@ -1840,7 +1840,7 @@
           <a:p>
             <a:fld id="{6DDED9F6-BEC6-4E98-AB2B-4C3195F3079B}" type="datetimeFigureOut">
               <a:rPr lang="en-IN" smtClean="0"/>
-              <a:t>08-09-2024</a:t>
+              <a:t>10-09-2024</a:t>
             </a:fld>
             <a:endParaRPr lang="en-IN"/>
           </a:p>
@@ -1982,7 +1982,7 @@
           <a:p>
             <a:fld id="{6DDED9F6-BEC6-4E98-AB2B-4C3195F3079B}" type="datetimeFigureOut">
               <a:rPr lang="en-IN" smtClean="0"/>
-              <a:t>08-09-2024</a:t>
+              <a:t>10-09-2024</a:t>
             </a:fld>
             <a:endParaRPr lang="en-IN"/>
           </a:p>
@@ -2095,7 +2095,7 @@
           <a:p>
             <a:fld id="{6DDED9F6-BEC6-4E98-AB2B-4C3195F3079B}" type="datetimeFigureOut">
               <a:rPr lang="en-IN" smtClean="0"/>
-              <a:t>08-09-2024</a:t>
+              <a:t>10-09-2024</a:t>
             </a:fld>
             <a:endParaRPr lang="en-IN"/>
           </a:p>
@@ -2408,7 +2408,7 @@
           <a:p>
             <a:fld id="{6DDED9F6-BEC6-4E98-AB2B-4C3195F3079B}" type="datetimeFigureOut">
               <a:rPr lang="en-IN" smtClean="0"/>
-              <a:t>08-09-2024</a:t>
+              <a:t>10-09-2024</a:t>
             </a:fld>
             <a:endParaRPr lang="en-IN"/>
           </a:p>
@@ -2697,7 +2697,7 @@
           <a:p>
             <a:fld id="{6DDED9F6-BEC6-4E98-AB2B-4C3195F3079B}" type="datetimeFigureOut">
               <a:rPr lang="en-IN" smtClean="0"/>
-              <a:t>08-09-2024</a:t>
+              <a:t>10-09-2024</a:t>
             </a:fld>
             <a:endParaRPr lang="en-IN"/>
           </a:p>
@@ -2940,7 +2940,7 @@
           <a:p>
             <a:fld id="{6DDED9F6-BEC6-4E98-AB2B-4C3195F3079B}" type="datetimeFigureOut">
               <a:rPr lang="en-IN" smtClean="0"/>
-              <a:t>08-09-2024</a:t>
+              <a:t>10-09-2024</a:t>
             </a:fld>
             <a:endParaRPr lang="en-IN"/>
           </a:p>
